--- a/2022-2023/Wyk/Wyklad12.pptx
+++ b/2022-2023/Wyk/Wyklad12.pptx
@@ -15,12 +15,12 @@
     <p:sldId id="381" r:id="rId3"/>
     <p:sldId id="382" r:id="rId4"/>
     <p:sldId id="389" r:id="rId5"/>
-    <p:sldId id="390" r:id="rId6"/>
-    <p:sldId id="391" r:id="rId7"/>
-    <p:sldId id="392" r:id="rId8"/>
-    <p:sldId id="393" r:id="rId9"/>
-    <p:sldId id="394" r:id="rId10"/>
-    <p:sldId id="395" r:id="rId11"/>
+    <p:sldId id="395" r:id="rId6"/>
+    <p:sldId id="390" r:id="rId7"/>
+    <p:sldId id="391" r:id="rId8"/>
+    <p:sldId id="392" r:id="rId9"/>
+    <p:sldId id="393" r:id="rId10"/>
+    <p:sldId id="394" r:id="rId11"/>
     <p:sldId id="384" r:id="rId12"/>
     <p:sldId id="385" r:id="rId13"/>
     <p:sldId id="386" r:id="rId14"/>
@@ -286,7 +286,7 @@
           <a:p>
             <a:fld id="{5113504E-0C99-2340-A5F6-DD6E1A87C372}" type="datetimeFigureOut">
               <a:rPr lang="pl-PL" smtClean="0"/>
-              <a:t>21.01.2023</a:t>
+              <a:t>26.01.2023</a:t>
             </a:fld>
             <a:endParaRPr lang="pl-PL"/>
           </a:p>
@@ -452,7 +452,7 @@
           <a:p>
             <a:fld id="{F78C933E-44E9-2D43-91B0-0D2BEEFA7EB9}" type="datetimeFigureOut">
               <a:rPr lang="pl-PL" smtClean="0"/>
-              <a:t>21.01.2023</a:t>
+              <a:t>26.01.2023</a:t>
             </a:fld>
             <a:endParaRPr lang="pl-PL"/>
           </a:p>
@@ -881,7 +881,7 @@
     </p:spTree>
     <p:extLst>
       <p:ext uri="{BB962C8B-B14F-4D97-AF65-F5344CB8AC3E}">
-        <p14:creationId xmlns:p14="http://schemas.microsoft.com/office/powerpoint/2010/main" val="2542811513"/>
+        <p14:creationId xmlns:p14="http://schemas.microsoft.com/office/powerpoint/2010/main" val="111671519"/>
       </p:ext>
     </p:extLst>
   </p:cSld>
@@ -1664,7 +1664,7 @@
     </p:spTree>
     <p:extLst>
       <p:ext uri="{BB962C8B-B14F-4D97-AF65-F5344CB8AC3E}">
-        <p14:creationId xmlns:p14="http://schemas.microsoft.com/office/powerpoint/2010/main" val="4073319886"/>
+        <p14:creationId xmlns:p14="http://schemas.microsoft.com/office/powerpoint/2010/main" val="2542811513"/>
       </p:ext>
     </p:extLst>
   </p:cSld>
@@ -1751,7 +1751,7 @@
     </p:spTree>
     <p:extLst>
       <p:ext uri="{BB962C8B-B14F-4D97-AF65-F5344CB8AC3E}">
-        <p14:creationId xmlns:p14="http://schemas.microsoft.com/office/powerpoint/2010/main" val="3125722286"/>
+        <p14:creationId xmlns:p14="http://schemas.microsoft.com/office/powerpoint/2010/main" val="4073319886"/>
       </p:ext>
     </p:extLst>
   </p:cSld>
@@ -1838,7 +1838,7 @@
     </p:spTree>
     <p:extLst>
       <p:ext uri="{BB962C8B-B14F-4D97-AF65-F5344CB8AC3E}">
-        <p14:creationId xmlns:p14="http://schemas.microsoft.com/office/powerpoint/2010/main" val="2938586123"/>
+        <p14:creationId xmlns:p14="http://schemas.microsoft.com/office/powerpoint/2010/main" val="3125722286"/>
       </p:ext>
     </p:extLst>
   </p:cSld>
@@ -1925,7 +1925,7 @@
     </p:spTree>
     <p:extLst>
       <p:ext uri="{BB962C8B-B14F-4D97-AF65-F5344CB8AC3E}">
-        <p14:creationId xmlns:p14="http://schemas.microsoft.com/office/powerpoint/2010/main" val="3958543774"/>
+        <p14:creationId xmlns:p14="http://schemas.microsoft.com/office/powerpoint/2010/main" val="2938586123"/>
       </p:ext>
     </p:extLst>
   </p:cSld>
@@ -2012,7 +2012,7 @@
     </p:spTree>
     <p:extLst>
       <p:ext uri="{BB962C8B-B14F-4D97-AF65-F5344CB8AC3E}">
-        <p14:creationId xmlns:p14="http://schemas.microsoft.com/office/powerpoint/2010/main" val="111671519"/>
+        <p14:creationId xmlns:p14="http://schemas.microsoft.com/office/powerpoint/2010/main" val="3958543774"/>
       </p:ext>
     </p:extLst>
   </p:cSld>
@@ -2201,7 +2201,7 @@
           <a:p>
             <a:fld id="{91017B01-0C30-B241-B19F-621BE4770608}" type="datetimeFigureOut">
               <a:rPr lang="pl-PL" smtClean="0"/>
-              <a:t>21.01.2023</a:t>
+              <a:t>26.01.2023</a:t>
             </a:fld>
             <a:endParaRPr lang="pl-PL"/>
           </a:p>
@@ -2370,7 +2370,7 @@
           <a:p>
             <a:fld id="{91017B01-0C30-B241-B19F-621BE4770608}" type="datetimeFigureOut">
               <a:rPr lang="pl-PL" smtClean="0"/>
-              <a:t>21.01.2023</a:t>
+              <a:t>26.01.2023</a:t>
             </a:fld>
             <a:endParaRPr lang="pl-PL"/>
           </a:p>
@@ -2549,7 +2549,7 @@
           <a:p>
             <a:fld id="{91017B01-0C30-B241-B19F-621BE4770608}" type="datetimeFigureOut">
               <a:rPr lang="pl-PL" smtClean="0"/>
-              <a:t>21.01.2023</a:t>
+              <a:t>26.01.2023</a:t>
             </a:fld>
             <a:endParaRPr lang="pl-PL"/>
           </a:p>
@@ -2718,7 +2718,7 @@
           <a:p>
             <a:fld id="{91017B01-0C30-B241-B19F-621BE4770608}" type="datetimeFigureOut">
               <a:rPr lang="pl-PL" smtClean="0"/>
-              <a:t>21.01.2023</a:t>
+              <a:t>26.01.2023</a:t>
             </a:fld>
             <a:endParaRPr lang="pl-PL"/>
           </a:p>
@@ -2964,7 +2964,7 @@
           <a:p>
             <a:fld id="{91017B01-0C30-B241-B19F-621BE4770608}" type="datetimeFigureOut">
               <a:rPr lang="pl-PL" smtClean="0"/>
-              <a:t>21.01.2023</a:t>
+              <a:t>26.01.2023</a:t>
             </a:fld>
             <a:endParaRPr lang="pl-PL"/>
           </a:p>
@@ -3250,7 +3250,7 @@
           <a:p>
             <a:fld id="{91017B01-0C30-B241-B19F-621BE4770608}" type="datetimeFigureOut">
               <a:rPr lang="pl-PL" smtClean="0"/>
-              <a:t>21.01.2023</a:t>
+              <a:t>26.01.2023</a:t>
             </a:fld>
             <a:endParaRPr lang="pl-PL"/>
           </a:p>
@@ -3670,7 +3670,7 @@
           <a:p>
             <a:fld id="{91017B01-0C30-B241-B19F-621BE4770608}" type="datetimeFigureOut">
               <a:rPr lang="pl-PL" smtClean="0"/>
-              <a:t>21.01.2023</a:t>
+              <a:t>26.01.2023</a:t>
             </a:fld>
             <a:endParaRPr lang="pl-PL"/>
           </a:p>
@@ -3788,7 +3788,7 @@
           <a:p>
             <a:fld id="{91017B01-0C30-B241-B19F-621BE4770608}" type="datetimeFigureOut">
               <a:rPr lang="pl-PL" smtClean="0"/>
-              <a:t>21.01.2023</a:t>
+              <a:t>26.01.2023</a:t>
             </a:fld>
             <a:endParaRPr lang="pl-PL"/>
           </a:p>
@@ -3884,7 +3884,7 @@
           <a:p>
             <a:fld id="{91017B01-0C30-B241-B19F-621BE4770608}" type="datetimeFigureOut">
               <a:rPr lang="pl-PL" smtClean="0"/>
-              <a:t>21.01.2023</a:t>
+              <a:t>26.01.2023</a:t>
             </a:fld>
             <a:endParaRPr lang="pl-PL"/>
           </a:p>
@@ -4161,7 +4161,7 @@
           <a:p>
             <a:fld id="{91017B01-0C30-B241-B19F-621BE4770608}" type="datetimeFigureOut">
               <a:rPr lang="pl-PL" smtClean="0"/>
-              <a:t>21.01.2023</a:t>
+              <a:t>26.01.2023</a:t>
             </a:fld>
             <a:endParaRPr lang="pl-PL"/>
           </a:p>
@@ -4417,7 +4417,7 @@
           <a:p>
             <a:fld id="{91017B01-0C30-B241-B19F-621BE4770608}" type="datetimeFigureOut">
               <a:rPr lang="pl-PL" smtClean="0"/>
-              <a:t>21.01.2023</a:t>
+              <a:t>26.01.2023</a:t>
             </a:fld>
             <a:endParaRPr lang="pl-PL"/>
           </a:p>
@@ -4629,7 +4629,7 @@
           <a:p>
             <a:fld id="{91017B01-0C30-B241-B19F-621BE4770608}" type="datetimeFigureOut">
               <a:rPr lang="pl-PL" smtClean="0"/>
-              <a:t>21.01.2023</a:t>
+              <a:t>26.01.2023</a:t>
             </a:fld>
             <a:endParaRPr lang="pl-PL"/>
           </a:p>
@@ -5308,40 +5308,175 @@
           </a:p>
         </p:txBody>
       </p:sp>
-      <p:pic>
-        <p:nvPicPr>
-          <p:cNvPr id="4" name="Obraz 3">
+      <p:sp>
+        <p:nvSpPr>
+          <p:cNvPr id="7" name="pole tekstowe 6">
             <a:extLst>
               <a:ext uri="{FF2B5EF4-FFF2-40B4-BE49-F238E27FC236}">
-                <a16:creationId xmlns:a16="http://schemas.microsoft.com/office/drawing/2014/main" id="{E7CBAF9B-E53F-3DED-2EA9-76FD5FB8D069}"/>
+                <a16:creationId xmlns:a16="http://schemas.microsoft.com/office/drawing/2014/main" id="{F87FB224-2308-5D51-0924-44B8C4D316B4}"/>
               </a:ext>
             </a:extLst>
           </p:cNvPr>
-          <p:cNvPicPr>
-            <a:picLocks noChangeAspect="1"/>
-          </p:cNvPicPr>
+          <p:cNvSpPr txBox="1"/>
           <p:nvPr/>
-        </p:nvPicPr>
-        <p:blipFill>
-          <a:blip r:embed="rId4"/>
-          <a:stretch>
-            <a:fillRect/>
-          </a:stretch>
-        </p:blipFill>
+        </p:nvSpPr>
         <p:spPr>
           <a:xfrm>
-            <a:off x="395536" y="851572"/>
-            <a:ext cx="8585169" cy="5817788"/>
+            <a:off x="107504" y="1556792"/>
+            <a:ext cx="8928992" cy="4196020"/>
           </a:xfrm>
           <a:prstGeom prst="rect">
             <a:avLst/>
           </a:prstGeom>
-        </p:spPr>
-      </p:pic>
+          <a:noFill/>
+        </p:spPr>
+        <p:txBody>
+          <a:bodyPr wrap="square" rtlCol="0">
+            <a:spAutoFit/>
+          </a:bodyPr>
+          <a:lstStyle/>
+          <a:p>
+            <a:pPr marL="171450" indent="-171450">
+              <a:lnSpc>
+                <a:spcPct val="150000"/>
+              </a:lnSpc>
+              <a:buFont typeface="Arial" panose="020B0604020202020204" pitchFamily="34" charset="0"/>
+              <a:buChar char="•"/>
+            </a:pPr>
+            <a:r>
+              <a:rPr lang="pl-PL" sz="1800" dirty="0">
+                <a:solidFill>
+                  <a:schemeClr val="bg1"/>
+                </a:solidFill>
+              </a:rPr>
+              <a:t>najpopularniejsze jest wstrzykiwanie przez konstruktor</a:t>
+            </a:r>
+          </a:p>
+          <a:p>
+            <a:pPr marL="171450" indent="-171450">
+              <a:lnSpc>
+                <a:spcPct val="150000"/>
+              </a:lnSpc>
+              <a:buFont typeface="Arial" panose="020B0604020202020204" pitchFamily="34" charset="0"/>
+              <a:buChar char="•"/>
+            </a:pPr>
+            <a:r>
+              <a:rPr lang="pl-PL" sz="1800" dirty="0">
+                <a:solidFill>
+                  <a:schemeClr val="bg1"/>
+                </a:solidFill>
+              </a:rPr>
+              <a:t>jeżeli w klasie mamy wszystkie trzy typy wstrzyknięć, kolejność wykonania jest następująca</a:t>
+            </a:r>
+          </a:p>
+          <a:p>
+            <a:pPr marL="628650" lvl="1" indent="-171450">
+              <a:lnSpc>
+                <a:spcPct val="150000"/>
+              </a:lnSpc>
+              <a:buFont typeface="Arial" panose="020B0604020202020204" pitchFamily="34" charset="0"/>
+              <a:buChar char="•"/>
+            </a:pPr>
+            <a:r>
+              <a:rPr lang="pl-PL" sz="1800" dirty="0">
+                <a:solidFill>
+                  <a:schemeClr val="bg1"/>
+                </a:solidFill>
+              </a:rPr>
+              <a:t> konstruktor</a:t>
+            </a:r>
+          </a:p>
+          <a:p>
+            <a:pPr marL="628650" lvl="1" indent="-171450">
+              <a:lnSpc>
+                <a:spcPct val="150000"/>
+              </a:lnSpc>
+              <a:buFont typeface="Arial" panose="020B0604020202020204" pitchFamily="34" charset="0"/>
+              <a:buChar char="•"/>
+            </a:pPr>
+            <a:r>
+              <a:rPr lang="pl-PL" sz="1800" dirty="0">
+                <a:solidFill>
+                  <a:schemeClr val="bg1"/>
+                </a:solidFill>
+              </a:rPr>
+              <a:t> pole</a:t>
+            </a:r>
+          </a:p>
+          <a:p>
+            <a:pPr marL="628650" lvl="1" indent="-171450">
+              <a:lnSpc>
+                <a:spcPct val="150000"/>
+              </a:lnSpc>
+              <a:buFont typeface="Arial" panose="020B0604020202020204" pitchFamily="34" charset="0"/>
+              <a:buChar char="•"/>
+            </a:pPr>
+            <a:r>
+              <a:rPr lang="pl-PL" sz="1800" dirty="0">
+                <a:solidFill>
+                  <a:schemeClr val="bg1"/>
+                </a:solidFill>
+              </a:rPr>
+              <a:t>metoda</a:t>
+            </a:r>
+          </a:p>
+          <a:p>
+            <a:pPr marL="171450" indent="-171450">
+              <a:lnSpc>
+                <a:spcPct val="150000"/>
+              </a:lnSpc>
+              <a:buFont typeface="Arial" panose="020B0604020202020204" pitchFamily="34" charset="0"/>
+              <a:buChar char="•"/>
+            </a:pPr>
+            <a:r>
+              <a:rPr lang="pl-PL" sz="1800" dirty="0">
+                <a:solidFill>
+                  <a:schemeClr val="bg1"/>
+                </a:solidFill>
+              </a:rPr>
+              <a:t>rzadko wykorzystuje się więcej niż jeden sposób</a:t>
+            </a:r>
+          </a:p>
+          <a:p>
+            <a:pPr marL="171450" indent="-171450">
+              <a:lnSpc>
+                <a:spcPct val="150000"/>
+              </a:lnSpc>
+              <a:buFont typeface="Arial" panose="020B0604020202020204" pitchFamily="34" charset="0"/>
+              <a:buChar char="•"/>
+            </a:pPr>
+            <a:r>
+              <a:rPr lang="pl-PL" sz="1800" dirty="0">
+                <a:solidFill>
+                  <a:schemeClr val="bg1"/>
+                </a:solidFill>
+              </a:rPr>
+              <a:t>wykorzystanie wszystkich trzech jest niespotykane</a:t>
+            </a:r>
+          </a:p>
+          <a:p>
+            <a:pPr marL="171450" indent="-171450">
+              <a:lnSpc>
+                <a:spcPct val="150000"/>
+              </a:lnSpc>
+              <a:buFont typeface="Arial" panose="020B0604020202020204" pitchFamily="34" charset="0"/>
+              <a:buChar char="•"/>
+            </a:pPr>
+            <a:r>
+              <a:rPr lang="pl-PL" sz="1800" dirty="0">
+                <a:solidFill>
+                  <a:schemeClr val="bg1"/>
+                </a:solidFill>
+              </a:rPr>
+              <a:t>jednym z niewielu zastosowań wstrzykiwania przez metodę jest sytuacja w której musimy przekazać instancję jako argument</a:t>
+            </a:r>
+          </a:p>
+        </p:txBody>
+      </p:sp>
     </p:spTree>
     <p:extLst>
       <p:ext uri="{BB962C8B-B14F-4D97-AF65-F5344CB8AC3E}">
-        <p14:creationId xmlns:p14="http://schemas.microsoft.com/office/powerpoint/2010/main" val="1247988894"/>
+        <p14:creationId xmlns:p14="http://schemas.microsoft.com/office/powerpoint/2010/main" val="258861539"/>
       </p:ext>
     </p:extLst>
   </p:cSld>
@@ -7014,50 +7149,6 @@
               </a:rPr>
               <a:t>Dagger</a:t>
             </a:r>
-            <a:r>
-              <a:rPr lang="pl-PL" sz="2400" dirty="0">
-                <a:solidFill>
-                  <a:schemeClr val="bg1"/>
-                </a:solidFill>
-                <a:latin typeface="Verdana" panose="020B0604030504040204" pitchFamily="34" charset="0"/>
-                <a:ea typeface="Verdana" panose="020B0604030504040204" pitchFamily="34" charset="0"/>
-                <a:cs typeface="Verdana" panose="020B0604030504040204" pitchFamily="34" charset="0"/>
-              </a:rPr>
-              <a:t> – </a:t>
-            </a:r>
-            <a:r>
-              <a:rPr lang="pl-PL" sz="2400" dirty="0" err="1">
-                <a:solidFill>
-                  <a:schemeClr val="bg1"/>
-                </a:solidFill>
-                <a:latin typeface="Verdana" panose="020B0604030504040204" pitchFamily="34" charset="0"/>
-                <a:ea typeface="Verdana" panose="020B0604030504040204" pitchFamily="34" charset="0"/>
-                <a:cs typeface="Verdana" panose="020B0604030504040204" pitchFamily="34" charset="0"/>
-              </a:rPr>
-              <a:t>constructor</a:t>
-            </a:r>
-            <a:r>
-              <a:rPr lang="pl-PL" sz="2400" dirty="0">
-                <a:solidFill>
-                  <a:schemeClr val="bg1"/>
-                </a:solidFill>
-                <a:latin typeface="Verdana" panose="020B0604030504040204" pitchFamily="34" charset="0"/>
-                <a:ea typeface="Verdana" panose="020B0604030504040204" pitchFamily="34" charset="0"/>
-                <a:cs typeface="Verdana" panose="020B0604030504040204" pitchFamily="34" charset="0"/>
-              </a:rPr>
-              <a:t> </a:t>
-            </a:r>
-            <a:r>
-              <a:rPr lang="pl-PL" sz="2400" dirty="0" err="1">
-                <a:solidFill>
-                  <a:schemeClr val="bg1"/>
-                </a:solidFill>
-                <a:latin typeface="Verdana" panose="020B0604030504040204" pitchFamily="34" charset="0"/>
-                <a:ea typeface="Verdana" panose="020B0604030504040204" pitchFamily="34" charset="0"/>
-                <a:cs typeface="Verdana" panose="020B0604030504040204" pitchFamily="34" charset="0"/>
-              </a:rPr>
-              <a:t>injection</a:t>
-            </a:r>
             <a:endParaRPr lang="pl-PL" sz="2400" dirty="0">
               <a:solidFill>
                 <a:schemeClr val="bg1"/>
@@ -7071,10 +7162,10 @@
       </p:sp>
       <p:pic>
         <p:nvPicPr>
-          <p:cNvPr id="6" name="Obraz 5">
+          <p:cNvPr id="4" name="Obraz 3">
             <a:extLst>
               <a:ext uri="{FF2B5EF4-FFF2-40B4-BE49-F238E27FC236}">
-                <a16:creationId xmlns:a16="http://schemas.microsoft.com/office/drawing/2014/main" id="{1B8DAB55-E13F-A27E-2831-0ED1A9D4D7A1}"/>
+                <a16:creationId xmlns:a16="http://schemas.microsoft.com/office/drawing/2014/main" id="{E7CBAF9B-E53F-3DED-2EA9-76FD5FB8D069}"/>
               </a:ext>
             </a:extLst>
           </p:cNvPr>
@@ -7091,68 +7182,8 @@
         </p:blipFill>
         <p:spPr>
           <a:xfrm>
-            <a:off x="98525" y="908720"/>
-            <a:ext cx="4185444" cy="1335104"/>
-          </a:xfrm>
-          <a:prstGeom prst="rect">
-            <a:avLst/>
-          </a:prstGeom>
-        </p:spPr>
-      </p:pic>
-      <p:pic>
-        <p:nvPicPr>
-          <p:cNvPr id="9" name="Obraz 8">
-            <a:extLst>
-              <a:ext uri="{FF2B5EF4-FFF2-40B4-BE49-F238E27FC236}">
-                <a16:creationId xmlns:a16="http://schemas.microsoft.com/office/drawing/2014/main" id="{53C6A823-3587-FD37-9417-D2A9E347A02D}"/>
-              </a:ext>
-            </a:extLst>
-          </p:cNvPr>
-          <p:cNvPicPr>
-            <a:picLocks noChangeAspect="1"/>
-          </p:cNvPicPr>
-          <p:nvPr/>
-        </p:nvPicPr>
-        <p:blipFill>
-          <a:blip r:embed="rId5"/>
-          <a:stretch>
-            <a:fillRect/>
-          </a:stretch>
-        </p:blipFill>
-        <p:spPr>
-          <a:xfrm>
-            <a:off x="3704686" y="2101831"/>
-            <a:ext cx="5340789" cy="3240360"/>
-          </a:xfrm>
-          <a:prstGeom prst="rect">
-            <a:avLst/>
-          </a:prstGeom>
-        </p:spPr>
-      </p:pic>
-      <p:pic>
-        <p:nvPicPr>
-          <p:cNvPr id="11" name="Obraz 10">
-            <a:extLst>
-              <a:ext uri="{FF2B5EF4-FFF2-40B4-BE49-F238E27FC236}">
-                <a16:creationId xmlns:a16="http://schemas.microsoft.com/office/drawing/2014/main" id="{1E4172C1-2598-2E97-C70F-146649033402}"/>
-              </a:ext>
-            </a:extLst>
-          </p:cNvPr>
-          <p:cNvPicPr>
-            <a:picLocks noChangeAspect="1"/>
-          </p:cNvPicPr>
-          <p:nvPr/>
-        </p:nvPicPr>
-        <p:blipFill>
-          <a:blip r:embed="rId6"/>
-          <a:stretch>
-            <a:fillRect/>
-          </a:stretch>
-        </p:blipFill>
-        <p:spPr>
-          <a:xfrm>
-            <a:off x="0" y="5318711"/>
-            <a:ext cx="4657725" cy="1466850"/>
+            <a:off x="395536" y="851572"/>
+            <a:ext cx="8585169" cy="5817788"/>
           </a:xfrm>
           <a:prstGeom prst="rect">
             <a:avLst/>
@@ -7162,7 +7193,7 @@
     </p:spTree>
     <p:extLst>
       <p:ext uri="{BB962C8B-B14F-4D97-AF65-F5344CB8AC3E}">
-        <p14:creationId xmlns:p14="http://schemas.microsoft.com/office/powerpoint/2010/main" val="287602399"/>
+        <p14:creationId xmlns:p14="http://schemas.microsoft.com/office/powerpoint/2010/main" val="1247988894"/>
       </p:ext>
     </p:extLst>
   </p:cSld>
@@ -7338,10 +7369,10 @@
       </p:sp>
       <p:pic>
         <p:nvPicPr>
-          <p:cNvPr id="5" name="Obraz 4">
+          <p:cNvPr id="6" name="Obraz 5">
             <a:extLst>
               <a:ext uri="{FF2B5EF4-FFF2-40B4-BE49-F238E27FC236}">
-                <a16:creationId xmlns:a16="http://schemas.microsoft.com/office/drawing/2014/main" id="{CA8D25E5-0CBB-11AD-5F78-E132F12BDEB1}"/>
+                <a16:creationId xmlns:a16="http://schemas.microsoft.com/office/drawing/2014/main" id="{1B8DAB55-E13F-A27E-2831-0ED1A9D4D7A1}"/>
               </a:ext>
             </a:extLst>
           </p:cNvPr>
@@ -7358,8 +7389,8 @@
         </p:blipFill>
         <p:spPr>
           <a:xfrm>
-            <a:off x="708982" y="5963056"/>
-            <a:ext cx="7726035" cy="864096"/>
+            <a:off x="98525" y="908720"/>
+            <a:ext cx="4185444" cy="1335104"/>
           </a:xfrm>
           <a:prstGeom prst="rect">
             <a:avLst/>
@@ -7368,10 +7399,10 @@
       </p:pic>
       <p:pic>
         <p:nvPicPr>
-          <p:cNvPr id="7" name="Obraz 6">
+          <p:cNvPr id="9" name="Obraz 8">
             <a:extLst>
               <a:ext uri="{FF2B5EF4-FFF2-40B4-BE49-F238E27FC236}">
-                <a16:creationId xmlns:a16="http://schemas.microsoft.com/office/drawing/2014/main" id="{C376F3D2-6892-F7D5-FEDE-A98B1142467B}"/>
+                <a16:creationId xmlns:a16="http://schemas.microsoft.com/office/drawing/2014/main" id="{53C6A823-3587-FD37-9417-D2A9E347A02D}"/>
               </a:ext>
             </a:extLst>
           </p:cNvPr>
@@ -7388,7 +7419,7 @@
         </p:blipFill>
         <p:spPr>
           <a:xfrm>
-            <a:off x="1721837" y="882254"/>
+            <a:off x="3704686" y="2101831"/>
             <a:ext cx="5340789" cy="3240360"/>
           </a:xfrm>
           <a:prstGeom prst="rect">
@@ -7398,10 +7429,10 @@
       </p:pic>
       <p:pic>
         <p:nvPicPr>
-          <p:cNvPr id="8" name="Obraz 7">
+          <p:cNvPr id="11" name="Obraz 10">
             <a:extLst>
               <a:ext uri="{FF2B5EF4-FFF2-40B4-BE49-F238E27FC236}">
-                <a16:creationId xmlns:a16="http://schemas.microsoft.com/office/drawing/2014/main" id="{102CEEFF-AD59-1F2F-025B-26307ACD5511}"/>
+                <a16:creationId xmlns:a16="http://schemas.microsoft.com/office/drawing/2014/main" id="{1E4172C1-2598-2E97-C70F-146649033402}"/>
               </a:ext>
             </a:extLst>
           </p:cNvPr>
@@ -7418,8 +7449,8 @@
         </p:blipFill>
         <p:spPr>
           <a:xfrm>
-            <a:off x="1830067" y="4199004"/>
-            <a:ext cx="5107488" cy="1608493"/>
+            <a:off x="0" y="5318711"/>
+            <a:ext cx="4657725" cy="1466850"/>
           </a:xfrm>
           <a:prstGeom prst="rect">
             <a:avLst/>
@@ -7429,7 +7460,7 @@
     </p:spTree>
     <p:extLst>
       <p:ext uri="{BB962C8B-B14F-4D97-AF65-F5344CB8AC3E}">
-        <p14:creationId xmlns:p14="http://schemas.microsoft.com/office/powerpoint/2010/main" val="1562204053"/>
+        <p14:creationId xmlns:p14="http://schemas.microsoft.com/office/powerpoint/2010/main" val="287602399"/>
       </p:ext>
     </p:extLst>
   </p:cSld>
@@ -7557,7 +7588,29 @@
                 <a:ea typeface="Verdana" panose="020B0604030504040204" pitchFamily="34" charset="0"/>
                 <a:cs typeface="Verdana" panose="020B0604030504040204" pitchFamily="34" charset="0"/>
               </a:rPr>
-              <a:t> – field </a:t>
+              <a:t> – </a:t>
+            </a:r>
+            <a:r>
+              <a:rPr lang="pl-PL" sz="2400" dirty="0" err="1">
+                <a:solidFill>
+                  <a:schemeClr val="bg1"/>
+                </a:solidFill>
+                <a:latin typeface="Verdana" panose="020B0604030504040204" pitchFamily="34" charset="0"/>
+                <a:ea typeface="Verdana" panose="020B0604030504040204" pitchFamily="34" charset="0"/>
+                <a:cs typeface="Verdana" panose="020B0604030504040204" pitchFamily="34" charset="0"/>
+              </a:rPr>
+              <a:t>constructor</a:t>
+            </a:r>
+            <a:r>
+              <a:rPr lang="pl-PL" sz="2400" dirty="0">
+                <a:solidFill>
+                  <a:schemeClr val="bg1"/>
+                </a:solidFill>
+                <a:latin typeface="Verdana" panose="020B0604030504040204" pitchFamily="34" charset="0"/>
+                <a:ea typeface="Verdana" panose="020B0604030504040204" pitchFamily="34" charset="0"/>
+                <a:cs typeface="Verdana" panose="020B0604030504040204" pitchFamily="34" charset="0"/>
+              </a:rPr>
+              <a:t> </a:t>
             </a:r>
             <a:r>
               <a:rPr lang="pl-PL" sz="2400" dirty="0" err="1">
@@ -7583,10 +7636,10 @@
       </p:sp>
       <p:pic>
         <p:nvPicPr>
-          <p:cNvPr id="6" name="Obraz 5">
+          <p:cNvPr id="5" name="Obraz 4">
             <a:extLst>
               <a:ext uri="{FF2B5EF4-FFF2-40B4-BE49-F238E27FC236}">
-                <a16:creationId xmlns:a16="http://schemas.microsoft.com/office/drawing/2014/main" id="{C96EDBCA-0EC0-337A-E77B-D4D51540D5B5}"/>
+                <a16:creationId xmlns:a16="http://schemas.microsoft.com/office/drawing/2014/main" id="{CA8D25E5-0CBB-11AD-5F78-E132F12BDEB1}"/>
               </a:ext>
             </a:extLst>
           </p:cNvPr>
@@ -7603,8 +7656,8 @@
         </p:blipFill>
         <p:spPr>
           <a:xfrm>
-            <a:off x="1475656" y="1124744"/>
-            <a:ext cx="6403266" cy="1584176"/>
+            <a:off x="708982" y="5963056"/>
+            <a:ext cx="7726035" cy="864096"/>
           </a:xfrm>
           <a:prstGeom prst="rect">
             <a:avLst/>
@@ -7613,10 +7666,10 @@
       </p:pic>
       <p:pic>
         <p:nvPicPr>
-          <p:cNvPr id="10" name="Obraz 9">
+          <p:cNvPr id="7" name="Obraz 6">
             <a:extLst>
               <a:ext uri="{FF2B5EF4-FFF2-40B4-BE49-F238E27FC236}">
-                <a16:creationId xmlns:a16="http://schemas.microsoft.com/office/drawing/2014/main" id="{D0C5B2C2-A4AE-A4F5-A63B-5E2886A0E281}"/>
+                <a16:creationId xmlns:a16="http://schemas.microsoft.com/office/drawing/2014/main" id="{C376F3D2-6892-F7D5-FEDE-A98B1142467B}"/>
               </a:ext>
             </a:extLst>
           </p:cNvPr>
@@ -7633,8 +7686,8 @@
         </p:blipFill>
         <p:spPr>
           <a:xfrm>
-            <a:off x="1984280" y="3038088"/>
-            <a:ext cx="4564750" cy="689232"/>
+            <a:off x="1721837" y="882254"/>
+            <a:ext cx="5340789" cy="3240360"/>
           </a:xfrm>
           <a:prstGeom prst="rect">
             <a:avLst/>
@@ -7643,10 +7696,10 @@
       </p:pic>
       <p:pic>
         <p:nvPicPr>
-          <p:cNvPr id="12" name="Obraz 11">
+          <p:cNvPr id="8" name="Obraz 7">
             <a:extLst>
               <a:ext uri="{FF2B5EF4-FFF2-40B4-BE49-F238E27FC236}">
-                <a16:creationId xmlns:a16="http://schemas.microsoft.com/office/drawing/2014/main" id="{A20C5E60-FF57-86CB-8D80-EC431670985B}"/>
+                <a16:creationId xmlns:a16="http://schemas.microsoft.com/office/drawing/2014/main" id="{102CEEFF-AD59-1F2F-025B-26307ACD5511}"/>
               </a:ext>
             </a:extLst>
           </p:cNvPr>
@@ -7663,8 +7716,8 @@
         </p:blipFill>
         <p:spPr>
           <a:xfrm>
-            <a:off x="809095" y="4365104"/>
-            <a:ext cx="7525810" cy="851506"/>
+            <a:off x="1830067" y="4199004"/>
+            <a:ext cx="5107488" cy="1608493"/>
           </a:xfrm>
           <a:prstGeom prst="rect">
             <a:avLst/>
@@ -7674,7 +7727,7 @@
     </p:spTree>
     <p:extLst>
       <p:ext uri="{BB962C8B-B14F-4D97-AF65-F5344CB8AC3E}">
-        <p14:creationId xmlns:p14="http://schemas.microsoft.com/office/powerpoint/2010/main" val="2945509418"/>
+        <p14:creationId xmlns:p14="http://schemas.microsoft.com/office/powerpoint/2010/main" val="1562204053"/>
       </p:ext>
     </p:extLst>
   </p:cSld>
@@ -7802,29 +7855,7 @@
                 <a:ea typeface="Verdana" panose="020B0604030504040204" pitchFamily="34" charset="0"/>
                 <a:cs typeface="Verdana" panose="020B0604030504040204" pitchFamily="34" charset="0"/>
               </a:rPr>
-              <a:t> – </a:t>
-            </a:r>
-            <a:r>
-              <a:rPr lang="pl-PL" sz="2400" dirty="0" err="1">
-                <a:solidFill>
-                  <a:schemeClr val="bg1"/>
-                </a:solidFill>
-                <a:latin typeface="Verdana" panose="020B0604030504040204" pitchFamily="34" charset="0"/>
-                <a:ea typeface="Verdana" panose="020B0604030504040204" pitchFamily="34" charset="0"/>
-                <a:cs typeface="Verdana" panose="020B0604030504040204" pitchFamily="34" charset="0"/>
-              </a:rPr>
-              <a:t>method</a:t>
-            </a:r>
-            <a:r>
-              <a:rPr lang="pl-PL" sz="2400" dirty="0">
-                <a:solidFill>
-                  <a:schemeClr val="bg1"/>
-                </a:solidFill>
-                <a:latin typeface="Verdana" panose="020B0604030504040204" pitchFamily="34" charset="0"/>
-                <a:ea typeface="Verdana" panose="020B0604030504040204" pitchFamily="34" charset="0"/>
-                <a:cs typeface="Verdana" panose="020B0604030504040204" pitchFamily="34" charset="0"/>
-              </a:rPr>
-              <a:t> </a:t>
+              <a:t> – field </a:t>
             </a:r>
             <a:r>
               <a:rPr lang="pl-PL" sz="2400" dirty="0" err="1">
@@ -7850,10 +7881,10 @@
       </p:sp>
       <p:pic>
         <p:nvPicPr>
-          <p:cNvPr id="5" name="Obraz 4">
+          <p:cNvPr id="6" name="Obraz 5">
             <a:extLst>
               <a:ext uri="{FF2B5EF4-FFF2-40B4-BE49-F238E27FC236}">
-                <a16:creationId xmlns:a16="http://schemas.microsoft.com/office/drawing/2014/main" id="{6D824B03-4BA1-9EEB-B561-D96B258F2072}"/>
+                <a16:creationId xmlns:a16="http://schemas.microsoft.com/office/drawing/2014/main" id="{C96EDBCA-0EC0-337A-E77B-D4D51540D5B5}"/>
               </a:ext>
             </a:extLst>
           </p:cNvPr>
@@ -7870,8 +7901,8 @@
         </p:blipFill>
         <p:spPr>
           <a:xfrm>
-            <a:off x="-12584" y="663733"/>
-            <a:ext cx="5953125" cy="1362075"/>
+            <a:off x="1475656" y="1124744"/>
+            <a:ext cx="6403266" cy="1584176"/>
           </a:xfrm>
           <a:prstGeom prst="rect">
             <a:avLst/>
@@ -7880,10 +7911,10 @@
       </p:pic>
       <p:pic>
         <p:nvPicPr>
-          <p:cNvPr id="8" name="Obraz 7">
+          <p:cNvPr id="10" name="Obraz 9">
             <a:extLst>
               <a:ext uri="{FF2B5EF4-FFF2-40B4-BE49-F238E27FC236}">
-                <a16:creationId xmlns:a16="http://schemas.microsoft.com/office/drawing/2014/main" id="{DD31BB3D-D3C7-1684-4031-AEBE97367732}"/>
+                <a16:creationId xmlns:a16="http://schemas.microsoft.com/office/drawing/2014/main" id="{D0C5B2C2-A4AE-A4F5-A63B-5E2886A0E281}"/>
               </a:ext>
             </a:extLst>
           </p:cNvPr>
@@ -7900,8 +7931,38 @@
         </p:blipFill>
         <p:spPr>
           <a:xfrm>
-            <a:off x="3868318" y="1883677"/>
-            <a:ext cx="5276850" cy="4943475"/>
+            <a:off x="1984280" y="3038088"/>
+            <a:ext cx="4564750" cy="689232"/>
+          </a:xfrm>
+          <a:prstGeom prst="rect">
+            <a:avLst/>
+          </a:prstGeom>
+        </p:spPr>
+      </p:pic>
+      <p:pic>
+        <p:nvPicPr>
+          <p:cNvPr id="12" name="Obraz 11">
+            <a:extLst>
+              <a:ext uri="{FF2B5EF4-FFF2-40B4-BE49-F238E27FC236}">
+                <a16:creationId xmlns:a16="http://schemas.microsoft.com/office/drawing/2014/main" id="{A20C5E60-FF57-86CB-8D80-EC431670985B}"/>
+              </a:ext>
+            </a:extLst>
+          </p:cNvPr>
+          <p:cNvPicPr>
+            <a:picLocks noChangeAspect="1"/>
+          </p:cNvPicPr>
+          <p:nvPr/>
+        </p:nvPicPr>
+        <p:blipFill>
+          <a:blip r:embed="rId6"/>
+          <a:stretch>
+            <a:fillRect/>
+          </a:stretch>
+        </p:blipFill>
+        <p:spPr>
+          <a:xfrm>
+            <a:off x="809095" y="4365104"/>
+            <a:ext cx="7525810" cy="851506"/>
           </a:xfrm>
           <a:prstGeom prst="rect">
             <a:avLst/>
@@ -7911,7 +7972,7 @@
     </p:spTree>
     <p:extLst>
       <p:ext uri="{BB962C8B-B14F-4D97-AF65-F5344CB8AC3E}">
-        <p14:creationId xmlns:p14="http://schemas.microsoft.com/office/powerpoint/2010/main" val="173201299"/>
+        <p14:creationId xmlns:p14="http://schemas.microsoft.com/office/powerpoint/2010/main" val="2945509418"/>
       </p:ext>
     </p:extLst>
   </p:cSld>
@@ -8030,6 +8091,50 @@
               </a:rPr>
               <a:t>Dagger</a:t>
             </a:r>
+            <a:r>
+              <a:rPr lang="pl-PL" sz="2400" dirty="0">
+                <a:solidFill>
+                  <a:schemeClr val="bg1"/>
+                </a:solidFill>
+                <a:latin typeface="Verdana" panose="020B0604030504040204" pitchFamily="34" charset="0"/>
+                <a:ea typeface="Verdana" panose="020B0604030504040204" pitchFamily="34" charset="0"/>
+                <a:cs typeface="Verdana" panose="020B0604030504040204" pitchFamily="34" charset="0"/>
+              </a:rPr>
+              <a:t> – </a:t>
+            </a:r>
+            <a:r>
+              <a:rPr lang="pl-PL" sz="2400" dirty="0" err="1">
+                <a:solidFill>
+                  <a:schemeClr val="bg1"/>
+                </a:solidFill>
+                <a:latin typeface="Verdana" panose="020B0604030504040204" pitchFamily="34" charset="0"/>
+                <a:ea typeface="Verdana" panose="020B0604030504040204" pitchFamily="34" charset="0"/>
+                <a:cs typeface="Verdana" panose="020B0604030504040204" pitchFamily="34" charset="0"/>
+              </a:rPr>
+              <a:t>method</a:t>
+            </a:r>
+            <a:r>
+              <a:rPr lang="pl-PL" sz="2400" dirty="0">
+                <a:solidFill>
+                  <a:schemeClr val="bg1"/>
+                </a:solidFill>
+                <a:latin typeface="Verdana" panose="020B0604030504040204" pitchFamily="34" charset="0"/>
+                <a:ea typeface="Verdana" panose="020B0604030504040204" pitchFamily="34" charset="0"/>
+                <a:cs typeface="Verdana" panose="020B0604030504040204" pitchFamily="34" charset="0"/>
+              </a:rPr>
+              <a:t> </a:t>
+            </a:r>
+            <a:r>
+              <a:rPr lang="pl-PL" sz="2400" dirty="0" err="1">
+                <a:solidFill>
+                  <a:schemeClr val="bg1"/>
+                </a:solidFill>
+                <a:latin typeface="Verdana" panose="020B0604030504040204" pitchFamily="34" charset="0"/>
+                <a:ea typeface="Verdana" panose="020B0604030504040204" pitchFamily="34" charset="0"/>
+                <a:cs typeface="Verdana" panose="020B0604030504040204" pitchFamily="34" charset="0"/>
+              </a:rPr>
+              <a:t>injection</a:t>
+            </a:r>
             <a:endParaRPr lang="pl-PL" sz="2400" dirty="0">
               <a:solidFill>
                 <a:schemeClr val="bg1"/>
@@ -8041,175 +8146,70 @@
           </a:p>
         </p:txBody>
       </p:sp>
-      <p:sp>
-        <p:nvSpPr>
-          <p:cNvPr id="7" name="pole tekstowe 6">
+      <p:pic>
+        <p:nvPicPr>
+          <p:cNvPr id="5" name="Obraz 4">
             <a:extLst>
               <a:ext uri="{FF2B5EF4-FFF2-40B4-BE49-F238E27FC236}">
-                <a16:creationId xmlns:a16="http://schemas.microsoft.com/office/drawing/2014/main" id="{F87FB224-2308-5D51-0924-44B8C4D316B4}"/>
+                <a16:creationId xmlns:a16="http://schemas.microsoft.com/office/drawing/2014/main" id="{6D824B03-4BA1-9EEB-B561-D96B258F2072}"/>
               </a:ext>
             </a:extLst>
           </p:cNvPr>
-          <p:cNvSpPr txBox="1"/>
+          <p:cNvPicPr>
+            <a:picLocks noChangeAspect="1"/>
+          </p:cNvPicPr>
           <p:nvPr/>
-        </p:nvSpPr>
+        </p:nvPicPr>
+        <p:blipFill>
+          <a:blip r:embed="rId4"/>
+          <a:stretch>
+            <a:fillRect/>
+          </a:stretch>
+        </p:blipFill>
         <p:spPr>
           <a:xfrm>
-            <a:off x="107504" y="1556792"/>
-            <a:ext cx="8928992" cy="4196020"/>
+            <a:off x="-12584" y="663733"/>
+            <a:ext cx="5953125" cy="1362075"/>
           </a:xfrm>
           <a:prstGeom prst="rect">
             <a:avLst/>
           </a:prstGeom>
-          <a:noFill/>
-        </p:spPr>
-        <p:txBody>
-          <a:bodyPr wrap="square" rtlCol="0">
-            <a:spAutoFit/>
-          </a:bodyPr>
-          <a:lstStyle/>
-          <a:p>
-            <a:pPr marL="171450" indent="-171450">
-              <a:lnSpc>
-                <a:spcPct val="150000"/>
-              </a:lnSpc>
-              <a:buFont typeface="Arial" panose="020B0604020202020204" pitchFamily="34" charset="0"/>
-              <a:buChar char="•"/>
-            </a:pPr>
-            <a:r>
-              <a:rPr lang="pl-PL" sz="1800" dirty="0">
-                <a:solidFill>
-                  <a:schemeClr val="bg1"/>
-                </a:solidFill>
-              </a:rPr>
-              <a:t>najpopularniejsze jest wstrzykiwanie przez konstruktor</a:t>
-            </a:r>
-          </a:p>
-          <a:p>
-            <a:pPr marL="171450" indent="-171450">
-              <a:lnSpc>
-                <a:spcPct val="150000"/>
-              </a:lnSpc>
-              <a:buFont typeface="Arial" panose="020B0604020202020204" pitchFamily="34" charset="0"/>
-              <a:buChar char="•"/>
-            </a:pPr>
-            <a:r>
-              <a:rPr lang="pl-PL" sz="1800" dirty="0">
-                <a:solidFill>
-                  <a:schemeClr val="bg1"/>
-                </a:solidFill>
-              </a:rPr>
-              <a:t>jeżeli w klasie mamy wszystkie trzy typy wstrzyknięć, kolejność wykonania jest następująca</a:t>
-            </a:r>
-          </a:p>
-          <a:p>
-            <a:pPr marL="628650" lvl="1" indent="-171450">
-              <a:lnSpc>
-                <a:spcPct val="150000"/>
-              </a:lnSpc>
-              <a:buFont typeface="Arial" panose="020B0604020202020204" pitchFamily="34" charset="0"/>
-              <a:buChar char="•"/>
-            </a:pPr>
-            <a:r>
-              <a:rPr lang="pl-PL" sz="1800" dirty="0">
-                <a:solidFill>
-                  <a:schemeClr val="bg1"/>
-                </a:solidFill>
-              </a:rPr>
-              <a:t> konstruktor</a:t>
-            </a:r>
-          </a:p>
-          <a:p>
-            <a:pPr marL="628650" lvl="1" indent="-171450">
-              <a:lnSpc>
-                <a:spcPct val="150000"/>
-              </a:lnSpc>
-              <a:buFont typeface="Arial" panose="020B0604020202020204" pitchFamily="34" charset="0"/>
-              <a:buChar char="•"/>
-            </a:pPr>
-            <a:r>
-              <a:rPr lang="pl-PL" sz="1800" dirty="0">
-                <a:solidFill>
-                  <a:schemeClr val="bg1"/>
-                </a:solidFill>
-              </a:rPr>
-              <a:t> pole</a:t>
-            </a:r>
-          </a:p>
-          <a:p>
-            <a:pPr marL="628650" lvl="1" indent="-171450">
-              <a:lnSpc>
-                <a:spcPct val="150000"/>
-              </a:lnSpc>
-              <a:buFont typeface="Arial" panose="020B0604020202020204" pitchFamily="34" charset="0"/>
-              <a:buChar char="•"/>
-            </a:pPr>
-            <a:r>
-              <a:rPr lang="pl-PL" sz="1800" dirty="0">
-                <a:solidFill>
-                  <a:schemeClr val="bg1"/>
-                </a:solidFill>
-              </a:rPr>
-              <a:t>metoda</a:t>
-            </a:r>
-          </a:p>
-          <a:p>
-            <a:pPr marL="171450" indent="-171450">
-              <a:lnSpc>
-                <a:spcPct val="150000"/>
-              </a:lnSpc>
-              <a:buFont typeface="Arial" panose="020B0604020202020204" pitchFamily="34" charset="0"/>
-              <a:buChar char="•"/>
-            </a:pPr>
-            <a:r>
-              <a:rPr lang="pl-PL" sz="1800" dirty="0">
-                <a:solidFill>
-                  <a:schemeClr val="bg1"/>
-                </a:solidFill>
-              </a:rPr>
-              <a:t>rzadko wykorzystuje się więcej niż jeden sposób</a:t>
-            </a:r>
-          </a:p>
-          <a:p>
-            <a:pPr marL="171450" indent="-171450">
-              <a:lnSpc>
-                <a:spcPct val="150000"/>
-              </a:lnSpc>
-              <a:buFont typeface="Arial" panose="020B0604020202020204" pitchFamily="34" charset="0"/>
-              <a:buChar char="•"/>
-            </a:pPr>
-            <a:r>
-              <a:rPr lang="pl-PL" sz="1800" dirty="0">
-                <a:solidFill>
-                  <a:schemeClr val="bg1"/>
-                </a:solidFill>
-              </a:rPr>
-              <a:t>wykorzystanie wszystkich trzech jest niespotykane</a:t>
-            </a:r>
-          </a:p>
-          <a:p>
-            <a:pPr marL="171450" indent="-171450">
-              <a:lnSpc>
-                <a:spcPct val="150000"/>
-              </a:lnSpc>
-              <a:buFont typeface="Arial" panose="020B0604020202020204" pitchFamily="34" charset="0"/>
-              <a:buChar char="•"/>
-            </a:pPr>
-            <a:r>
-              <a:rPr lang="pl-PL" sz="1800" dirty="0">
-                <a:solidFill>
-                  <a:schemeClr val="bg1"/>
-                </a:solidFill>
-              </a:rPr>
-              <a:t>jednym z niewielu zastosowań wstrzykiwania przez metodę jest sytuacja w której musimy przekazać instancję jako argument</a:t>
-            </a:r>
-          </a:p>
-        </p:txBody>
-      </p:sp>
+        </p:spPr>
+      </p:pic>
+      <p:pic>
+        <p:nvPicPr>
+          <p:cNvPr id="8" name="Obraz 7">
+            <a:extLst>
+              <a:ext uri="{FF2B5EF4-FFF2-40B4-BE49-F238E27FC236}">
+                <a16:creationId xmlns:a16="http://schemas.microsoft.com/office/drawing/2014/main" id="{DD31BB3D-D3C7-1684-4031-AEBE97367732}"/>
+              </a:ext>
+            </a:extLst>
+          </p:cNvPr>
+          <p:cNvPicPr>
+            <a:picLocks noChangeAspect="1"/>
+          </p:cNvPicPr>
+          <p:nvPr/>
+        </p:nvPicPr>
+        <p:blipFill>
+          <a:blip r:embed="rId5"/>
+          <a:stretch>
+            <a:fillRect/>
+          </a:stretch>
+        </p:blipFill>
+        <p:spPr>
+          <a:xfrm>
+            <a:off x="3868318" y="1883677"/>
+            <a:ext cx="5276850" cy="4943475"/>
+          </a:xfrm>
+          <a:prstGeom prst="rect">
+            <a:avLst/>
+          </a:prstGeom>
+        </p:spPr>
+      </p:pic>
     </p:spTree>
     <p:extLst>
       <p:ext uri="{BB962C8B-B14F-4D97-AF65-F5344CB8AC3E}">
-        <p14:creationId xmlns:p14="http://schemas.microsoft.com/office/powerpoint/2010/main" val="258861539"/>
+        <p14:creationId xmlns:p14="http://schemas.microsoft.com/office/powerpoint/2010/main" val="173201299"/>
       </p:ext>
     </p:extLst>
   </p:cSld>
